--- a/doc/小鲨鱼运动健身系统设计与实现-开题报告答辩PPT.pptx
+++ b/doc/小鲨鱼运动健身系统设计与实现-开题报告答辩PPT.pptx
@@ -2466,15 +2466,12 @@
   <p:cSld>
     <p:bg>
       <p:bgPr>
-        <a:blipFill dpi="0" rotWithShape="1">
-          <a:blip r:embed="rId1">
-            <a:lum/>
-          </a:blip>
-          <a:srcRect/>
-          <a:stretch>
-            <a:fillRect/>
-          </a:stretch>
-        </a:blipFill>
+        <a:solidFill>
+          <a:schemeClr val="accent6">
+            <a:lumMod val="40000"/>
+            <a:lumOff val="60000"/>
+          </a:schemeClr>
+        </a:solidFill>
         <a:effectLst/>
       </p:bgPr>
     </p:bg>
@@ -2712,15 +2709,12 @@
   <p:cSld>
     <p:bg>
       <p:bgPr>
-        <a:blipFill dpi="0" rotWithShape="1">
-          <a:blip r:embed="rId1">
-            <a:lum/>
-          </a:blip>
-          <a:srcRect/>
-          <a:stretch>
-            <a:fillRect/>
-          </a:stretch>
-        </a:blipFill>
+        <a:solidFill>
+          <a:schemeClr val="accent6">
+            <a:lumMod val="40000"/>
+            <a:lumOff val="60000"/>
+          </a:schemeClr>
+        </a:solidFill>
         <a:effectLst/>
       </p:bgPr>
     </p:bg>
@@ -2793,7 +2787,7 @@
           <p:nvPr/>
         </p:nvPicPr>
         <p:blipFill>
-          <a:blip r:embed="rId2"/>
+          <a:blip r:embed="rId1"/>
           <a:stretch>
             <a:fillRect/>
           </a:stretch>
@@ -2811,6 +2805,30 @@
       <p:pic>
         <p:nvPicPr>
           <p:cNvPr id="4" name="Image 1" descr="preencoded.png"/>
+          <p:cNvPicPr>
+            <a:picLocks noChangeAspect="1"/>
+          </p:cNvPicPr>
+          <p:nvPr/>
+        </p:nvPicPr>
+        <p:blipFill>
+          <a:blip r:embed="rId1"/>
+          <a:stretch>
+            <a:fillRect/>
+          </a:stretch>
+        </p:blipFill>
+        <p:spPr>
+          <a:xfrm>
+            <a:off x="409897" y="222075"/>
+            <a:ext cx="346608" cy="346608"/>
+          </a:xfrm>
+          <a:prstGeom prst="rect">
+            <a:avLst/>
+          </a:prstGeom>
+        </p:spPr>
+      </p:pic>
+      <p:pic>
+        <p:nvPicPr>
+          <p:cNvPr id="5" name="Image 2" descr="preencoded.png"/>
           <p:cNvPicPr>
             <a:picLocks noChangeAspect="1"/>
           </p:cNvPicPr>
@@ -2824,30 +2842,6 @@
         </p:blipFill>
         <p:spPr>
           <a:xfrm>
-            <a:off x="409897" y="222075"/>
-            <a:ext cx="346608" cy="346608"/>
-          </a:xfrm>
-          <a:prstGeom prst="rect">
-            <a:avLst/>
-          </a:prstGeom>
-        </p:spPr>
-      </p:pic>
-      <p:pic>
-        <p:nvPicPr>
-          <p:cNvPr id="5" name="Image 2" descr="preencoded.png"/>
-          <p:cNvPicPr>
-            <a:picLocks noChangeAspect="1"/>
-          </p:cNvPicPr>
-          <p:nvPr/>
-        </p:nvPicPr>
-        <p:blipFill>
-          <a:blip r:embed="rId3"/>
-          <a:stretch>
-            <a:fillRect/>
-          </a:stretch>
-        </p:blipFill>
-        <p:spPr>
-          <a:xfrm>
             <a:off x="218305" y="222075"/>
             <a:ext cx="346608" cy="346608"/>
           </a:xfrm>
@@ -2864,12 +2858,12 @@
           </p:cNvPicPr>
           <p:nvPr>
             <p:custDataLst>
-              <p:tags r:id="rId4"/>
+              <p:tags r:id="rId3"/>
             </p:custDataLst>
           </p:nvPr>
         </p:nvPicPr>
         <p:blipFill>
-          <a:blip r:embed="rId5">
+          <a:blip r:embed="rId4">
             <a:alphaModFix amt="50000"/>
           </a:blip>
           <a:stretch>
@@ -2894,12 +2888,12 @@
           </p:cNvPicPr>
           <p:nvPr>
             <p:custDataLst>
-              <p:tags r:id="rId6"/>
+              <p:tags r:id="rId5"/>
             </p:custDataLst>
           </p:nvPr>
         </p:nvPicPr>
         <p:blipFill>
-          <a:blip r:embed="rId7"/>
+          <a:blip r:embed="rId6"/>
           <a:stretch>
             <a:fillRect/>
           </a:stretch>
@@ -2922,12 +2916,12 @@
           </p:cNvPicPr>
           <p:nvPr>
             <p:custDataLst>
-              <p:tags r:id="rId8"/>
+              <p:tags r:id="rId7"/>
             </p:custDataLst>
           </p:nvPr>
         </p:nvPicPr>
         <p:blipFill>
-          <a:blip r:embed="rId9"/>
+          <a:blip r:embed="rId8"/>
           <a:stretch>
             <a:fillRect/>
           </a:stretch>
@@ -2948,7 +2942,7 @@
           <p:cNvSpPr/>
           <p:nvPr>
             <p:custDataLst>
-              <p:tags r:id="rId10"/>
+              <p:tags r:id="rId9"/>
             </p:custDataLst>
           </p:nvPr>
         </p:nvSpPr>
@@ -3000,12 +2994,12 @@
           </p:cNvPicPr>
           <p:nvPr>
             <p:custDataLst>
-              <p:tags r:id="rId11"/>
+              <p:tags r:id="rId10"/>
             </p:custDataLst>
           </p:nvPr>
         </p:nvPicPr>
         <p:blipFill>
-          <a:blip r:embed="rId12">
+          <a:blip r:embed="rId11">
             <a:alphaModFix amt="50000"/>
           </a:blip>
           <a:stretch>
@@ -3030,12 +3024,12 @@
           </p:cNvPicPr>
           <p:nvPr>
             <p:custDataLst>
-              <p:tags r:id="rId13"/>
+              <p:tags r:id="rId12"/>
             </p:custDataLst>
           </p:nvPr>
         </p:nvPicPr>
         <p:blipFill>
-          <a:blip r:embed="rId14"/>
+          <a:blip r:embed="rId13"/>
           <a:stretch>
             <a:fillRect/>
           </a:stretch>
@@ -3058,12 +3052,12 @@
           </p:cNvPicPr>
           <p:nvPr>
             <p:custDataLst>
-              <p:tags r:id="rId15"/>
+              <p:tags r:id="rId14"/>
             </p:custDataLst>
           </p:nvPr>
         </p:nvPicPr>
         <p:blipFill>
-          <a:blip r:embed="rId9"/>
+          <a:blip r:embed="rId8"/>
           <a:stretch>
             <a:fillRect/>
           </a:stretch>
@@ -3084,7 +3078,7 @@
           <p:cNvSpPr/>
           <p:nvPr>
             <p:custDataLst>
-              <p:tags r:id="rId16"/>
+              <p:tags r:id="rId15"/>
             </p:custDataLst>
           </p:nvPr>
         </p:nvSpPr>
@@ -3136,12 +3130,12 @@
           </p:cNvPicPr>
           <p:nvPr>
             <p:custDataLst>
-              <p:tags r:id="rId17"/>
+              <p:tags r:id="rId16"/>
             </p:custDataLst>
           </p:nvPr>
         </p:nvPicPr>
         <p:blipFill>
-          <a:blip r:embed="rId18">
+          <a:blip r:embed="rId17">
             <a:alphaModFix amt="50000"/>
           </a:blip>
           <a:stretch>
@@ -3166,12 +3160,12 @@
           </p:cNvPicPr>
           <p:nvPr>
             <p:custDataLst>
-              <p:tags r:id="rId19"/>
+              <p:tags r:id="rId18"/>
             </p:custDataLst>
           </p:nvPr>
         </p:nvPicPr>
         <p:blipFill>
-          <a:blip r:embed="rId20"/>
+          <a:blip r:embed="rId19"/>
           <a:stretch>
             <a:fillRect/>
           </a:stretch>
@@ -3194,12 +3188,12 @@
           </p:cNvPicPr>
           <p:nvPr>
             <p:custDataLst>
-              <p:tags r:id="rId21"/>
+              <p:tags r:id="rId20"/>
             </p:custDataLst>
           </p:nvPr>
         </p:nvPicPr>
         <p:blipFill>
-          <a:blip r:embed="rId9"/>
+          <a:blip r:embed="rId8"/>
           <a:stretch>
             <a:fillRect/>
           </a:stretch>
@@ -3220,7 +3214,7 @@
           <p:cNvSpPr/>
           <p:nvPr>
             <p:custDataLst>
-              <p:tags r:id="rId22"/>
+              <p:tags r:id="rId21"/>
             </p:custDataLst>
           </p:nvPr>
         </p:nvSpPr>
@@ -3270,7 +3264,7 @@
           <p:cNvSpPr/>
           <p:nvPr>
             <p:custDataLst>
-              <p:tags r:id="rId23"/>
+              <p:tags r:id="rId22"/>
             </p:custDataLst>
           </p:nvPr>
         </p:nvSpPr>
@@ -3328,7 +3322,7 @@
           <p:cNvSpPr/>
           <p:nvPr>
             <p:custDataLst>
-              <p:tags r:id="rId24"/>
+              <p:tags r:id="rId23"/>
             </p:custDataLst>
           </p:nvPr>
         </p:nvSpPr>
@@ -3468,7 +3462,7 @@
           <p:cNvSpPr/>
           <p:nvPr>
             <p:custDataLst>
-              <p:tags r:id="rId25"/>
+              <p:tags r:id="rId24"/>
             </p:custDataLst>
           </p:nvPr>
         </p:nvSpPr>
@@ -3526,7 +3520,7 @@
           <p:cNvSpPr/>
           <p:nvPr>
             <p:custDataLst>
-              <p:tags r:id="rId26"/>
+              <p:tags r:id="rId25"/>
             </p:custDataLst>
           </p:nvPr>
         </p:nvSpPr>
@@ -3663,7 +3657,7 @@
           <p:cNvSpPr/>
           <p:nvPr>
             <p:custDataLst>
-              <p:tags r:id="rId27"/>
+              <p:tags r:id="rId26"/>
             </p:custDataLst>
           </p:nvPr>
         </p:nvSpPr>
@@ -3710,7 +3704,7 @@
           <p:cNvSpPr/>
           <p:nvPr>
             <p:custDataLst>
-              <p:tags r:id="rId28"/>
+              <p:tags r:id="rId27"/>
             </p:custDataLst>
           </p:nvPr>
         </p:nvSpPr>
@@ -3779,15 +3773,12 @@
   <p:cSld>
     <p:bg>
       <p:bgPr>
-        <a:blipFill dpi="0" rotWithShape="1">
-          <a:blip r:embed="rId1">
-            <a:lum/>
-          </a:blip>
-          <a:srcRect/>
-          <a:stretch>
-            <a:fillRect/>
-          </a:stretch>
-        </a:blipFill>
+        <a:solidFill>
+          <a:schemeClr val="accent6">
+            <a:lumMod val="40000"/>
+            <a:lumOff val="60000"/>
+          </a:schemeClr>
+        </a:solidFill>
         <a:effectLst/>
       </p:bgPr>
     </p:bg>
@@ -3860,7 +3851,7 @@
           <p:nvPr/>
         </p:nvPicPr>
         <p:blipFill>
-          <a:blip r:embed="rId2"/>
+          <a:blip r:embed="rId1"/>
           <a:stretch>
             <a:fillRect/>
           </a:stretch>
@@ -3878,6 +3869,30 @@
       <p:pic>
         <p:nvPicPr>
           <p:cNvPr id="4" name="Image 1" descr="preencoded.png"/>
+          <p:cNvPicPr>
+            <a:picLocks noChangeAspect="1"/>
+          </p:cNvPicPr>
+          <p:nvPr/>
+        </p:nvPicPr>
+        <p:blipFill>
+          <a:blip r:embed="rId1"/>
+          <a:stretch>
+            <a:fillRect/>
+          </a:stretch>
+        </p:blipFill>
+        <p:spPr>
+          <a:xfrm>
+            <a:off x="409897" y="222075"/>
+            <a:ext cx="346608" cy="346608"/>
+          </a:xfrm>
+          <a:prstGeom prst="rect">
+            <a:avLst/>
+          </a:prstGeom>
+        </p:spPr>
+      </p:pic>
+      <p:pic>
+        <p:nvPicPr>
+          <p:cNvPr id="5" name="Image 2" descr="preencoded.png"/>
           <p:cNvPicPr>
             <a:picLocks noChangeAspect="1"/>
           </p:cNvPicPr>
@@ -3891,7 +3906,7 @@
         </p:blipFill>
         <p:spPr>
           <a:xfrm>
-            <a:off x="409897" y="222075"/>
+            <a:off x="218305" y="222075"/>
             <a:ext cx="346608" cy="346608"/>
           </a:xfrm>
           <a:prstGeom prst="rect">
@@ -3901,7 +3916,7 @@
       </p:pic>
       <p:pic>
         <p:nvPicPr>
-          <p:cNvPr id="5" name="Image 2" descr="preencoded.png"/>
+          <p:cNvPr id="6" name="图片 5"/>
           <p:cNvPicPr>
             <a:picLocks noChangeAspect="1"/>
           </p:cNvPicPr>
@@ -3915,30 +3930,6 @@
         </p:blipFill>
         <p:spPr>
           <a:xfrm>
-            <a:off x="218305" y="222075"/>
-            <a:ext cx="346608" cy="346608"/>
-          </a:xfrm>
-          <a:prstGeom prst="rect">
-            <a:avLst/>
-          </a:prstGeom>
-        </p:spPr>
-      </p:pic>
-      <p:pic>
-        <p:nvPicPr>
-          <p:cNvPr id="6" name="图片 5"/>
-          <p:cNvPicPr>
-            <a:picLocks noChangeAspect="1"/>
-          </p:cNvPicPr>
-          <p:nvPr/>
-        </p:nvPicPr>
-        <p:blipFill>
-          <a:blip r:embed="rId4"/>
-          <a:stretch>
-            <a:fillRect/>
-          </a:stretch>
-        </p:blipFill>
-        <p:spPr>
-          <a:xfrm>
             <a:off x="1497330" y="796290"/>
             <a:ext cx="6149340" cy="3909060"/>
           </a:xfrm>
@@ -3960,15 +3951,12 @@
   <p:cSld>
     <p:bg>
       <p:bgPr>
-        <a:blipFill dpi="0" rotWithShape="1">
-          <a:blip r:embed="rId1">
-            <a:lum/>
-          </a:blip>
-          <a:srcRect/>
-          <a:stretch>
-            <a:fillRect/>
-          </a:stretch>
-        </a:blipFill>
+        <a:solidFill>
+          <a:schemeClr val="accent6">
+            <a:lumMod val="40000"/>
+            <a:lumOff val="60000"/>
+          </a:schemeClr>
+        </a:solidFill>
         <a:effectLst/>
       </p:bgPr>
     </p:bg>
@@ -3995,7 +3983,7 @@
           <p:nvPr/>
         </p:nvPicPr>
         <p:blipFill>
-          <a:blip r:embed="rId2"/>
+          <a:blip r:embed="rId1"/>
           <a:stretch>
             <a:fillRect/>
           </a:stretch>
@@ -4115,15 +4103,12 @@
   <p:cSld>
     <p:bg>
       <p:bgPr>
-        <a:blipFill dpi="0" rotWithShape="1">
-          <a:blip r:embed="rId1">
-            <a:lum/>
-          </a:blip>
-          <a:srcRect/>
-          <a:stretch>
-            <a:fillRect/>
-          </a:stretch>
-        </a:blipFill>
+        <a:solidFill>
+          <a:schemeClr val="accent6">
+            <a:lumMod val="40000"/>
+            <a:lumOff val="60000"/>
+          </a:schemeClr>
+        </a:solidFill>
         <a:effectLst/>
       </p:bgPr>
     </p:bg>
@@ -4196,7 +4181,7 @@
           <p:nvPr/>
         </p:nvPicPr>
         <p:blipFill>
-          <a:blip r:embed="rId2"/>
+          <a:blip r:embed="rId1"/>
           <a:stretch>
             <a:fillRect/>
           </a:stretch>
@@ -4214,6 +4199,30 @@
       <p:pic>
         <p:nvPicPr>
           <p:cNvPr id="4" name="Image 1" descr="preencoded.png"/>
+          <p:cNvPicPr>
+            <a:picLocks noChangeAspect="1"/>
+          </p:cNvPicPr>
+          <p:nvPr/>
+        </p:nvPicPr>
+        <p:blipFill>
+          <a:blip r:embed="rId1"/>
+          <a:stretch>
+            <a:fillRect/>
+          </a:stretch>
+        </p:blipFill>
+        <p:spPr>
+          <a:xfrm>
+            <a:off x="409897" y="222075"/>
+            <a:ext cx="346608" cy="346608"/>
+          </a:xfrm>
+          <a:prstGeom prst="rect">
+            <a:avLst/>
+          </a:prstGeom>
+        </p:spPr>
+      </p:pic>
+      <p:pic>
+        <p:nvPicPr>
+          <p:cNvPr id="5" name="Image 2" descr="preencoded.png"/>
           <p:cNvPicPr>
             <a:picLocks noChangeAspect="1"/>
           </p:cNvPicPr>
@@ -4227,30 +4236,6 @@
         </p:blipFill>
         <p:spPr>
           <a:xfrm>
-            <a:off x="409897" y="222075"/>
-            <a:ext cx="346608" cy="346608"/>
-          </a:xfrm>
-          <a:prstGeom prst="rect">
-            <a:avLst/>
-          </a:prstGeom>
-        </p:spPr>
-      </p:pic>
-      <p:pic>
-        <p:nvPicPr>
-          <p:cNvPr id="5" name="Image 2" descr="preencoded.png"/>
-          <p:cNvPicPr>
-            <a:picLocks noChangeAspect="1"/>
-          </p:cNvPicPr>
-          <p:nvPr/>
-        </p:nvPicPr>
-        <p:blipFill>
-          <a:blip r:embed="rId3"/>
-          <a:stretch>
-            <a:fillRect/>
-          </a:stretch>
-        </p:blipFill>
-        <p:spPr>
-          <a:xfrm>
             <a:off x="218305" y="222075"/>
             <a:ext cx="346608" cy="346608"/>
           </a:xfrm>
@@ -4267,12 +4252,12 @@
           </p:cNvPicPr>
           <p:nvPr>
             <p:custDataLst>
-              <p:tags r:id="rId4"/>
+              <p:tags r:id="rId3"/>
             </p:custDataLst>
           </p:nvPr>
         </p:nvPicPr>
         <p:blipFill>
-          <a:blip r:embed="rId5">
+          <a:blip r:embed="rId4">
             <a:alphaModFix amt="50000"/>
           </a:blip>
           <a:stretch>
@@ -4297,12 +4282,12 @@
           </p:cNvPicPr>
           <p:nvPr>
             <p:custDataLst>
-              <p:tags r:id="rId6"/>
+              <p:tags r:id="rId5"/>
             </p:custDataLst>
           </p:nvPr>
         </p:nvPicPr>
         <p:blipFill>
-          <a:blip r:embed="rId7"/>
+          <a:blip r:embed="rId6"/>
           <a:stretch>
             <a:fillRect/>
           </a:stretch>
@@ -4325,12 +4310,12 @@
           </p:cNvPicPr>
           <p:nvPr>
             <p:custDataLst>
-              <p:tags r:id="rId8"/>
+              <p:tags r:id="rId7"/>
             </p:custDataLst>
           </p:nvPr>
         </p:nvPicPr>
         <p:blipFill>
-          <a:blip r:embed="rId9"/>
+          <a:blip r:embed="rId8"/>
           <a:stretch>
             <a:fillRect/>
           </a:stretch>
@@ -4351,7 +4336,7 @@
           <p:cNvSpPr/>
           <p:nvPr>
             <p:custDataLst>
-              <p:tags r:id="rId10"/>
+              <p:tags r:id="rId9"/>
             </p:custDataLst>
           </p:nvPr>
         </p:nvSpPr>
@@ -4403,12 +4388,12 @@
           </p:cNvPicPr>
           <p:nvPr>
             <p:custDataLst>
-              <p:tags r:id="rId11"/>
+              <p:tags r:id="rId10"/>
             </p:custDataLst>
           </p:nvPr>
         </p:nvPicPr>
         <p:blipFill>
-          <a:blip r:embed="rId12">
+          <a:blip r:embed="rId11">
             <a:alphaModFix amt="50000"/>
           </a:blip>
           <a:stretch>
@@ -4433,12 +4418,12 @@
           </p:cNvPicPr>
           <p:nvPr>
             <p:custDataLst>
-              <p:tags r:id="rId13"/>
+              <p:tags r:id="rId12"/>
             </p:custDataLst>
           </p:nvPr>
         </p:nvPicPr>
         <p:blipFill>
-          <a:blip r:embed="rId14"/>
+          <a:blip r:embed="rId13"/>
           <a:stretch>
             <a:fillRect/>
           </a:stretch>
@@ -4461,12 +4446,12 @@
           </p:cNvPicPr>
           <p:nvPr>
             <p:custDataLst>
-              <p:tags r:id="rId15"/>
+              <p:tags r:id="rId14"/>
             </p:custDataLst>
           </p:nvPr>
         </p:nvPicPr>
         <p:blipFill>
-          <a:blip r:embed="rId9"/>
+          <a:blip r:embed="rId8"/>
           <a:stretch>
             <a:fillRect/>
           </a:stretch>
@@ -4487,7 +4472,7 @@
           <p:cNvSpPr/>
           <p:nvPr>
             <p:custDataLst>
-              <p:tags r:id="rId16"/>
+              <p:tags r:id="rId15"/>
             </p:custDataLst>
           </p:nvPr>
         </p:nvSpPr>
@@ -4539,12 +4524,12 @@
           </p:cNvPicPr>
           <p:nvPr>
             <p:custDataLst>
-              <p:tags r:id="rId17"/>
+              <p:tags r:id="rId16"/>
             </p:custDataLst>
           </p:nvPr>
         </p:nvPicPr>
         <p:blipFill>
-          <a:blip r:embed="rId18">
+          <a:blip r:embed="rId17">
             <a:alphaModFix amt="50000"/>
           </a:blip>
           <a:stretch>
@@ -4569,12 +4554,12 @@
           </p:cNvPicPr>
           <p:nvPr>
             <p:custDataLst>
-              <p:tags r:id="rId19"/>
+              <p:tags r:id="rId18"/>
             </p:custDataLst>
           </p:nvPr>
         </p:nvPicPr>
         <p:blipFill>
-          <a:blip r:embed="rId14"/>
+          <a:blip r:embed="rId13"/>
           <a:stretch>
             <a:fillRect/>
           </a:stretch>
@@ -4597,12 +4582,12 @@
           </p:cNvPicPr>
           <p:nvPr>
             <p:custDataLst>
-              <p:tags r:id="rId20"/>
+              <p:tags r:id="rId19"/>
             </p:custDataLst>
           </p:nvPr>
         </p:nvPicPr>
         <p:blipFill>
-          <a:blip r:embed="rId9"/>
+          <a:blip r:embed="rId8"/>
           <a:stretch>
             <a:fillRect/>
           </a:stretch>
@@ -4623,7 +4608,7 @@
           <p:cNvSpPr/>
           <p:nvPr>
             <p:custDataLst>
-              <p:tags r:id="rId21"/>
+              <p:tags r:id="rId20"/>
             </p:custDataLst>
           </p:nvPr>
         </p:nvSpPr>
@@ -4673,7 +4658,7 @@
           <p:cNvSpPr/>
           <p:nvPr>
             <p:custDataLst>
-              <p:tags r:id="rId22"/>
+              <p:tags r:id="rId21"/>
             </p:custDataLst>
           </p:nvPr>
         </p:nvSpPr>
@@ -4731,7 +4716,7 @@
           <p:cNvSpPr/>
           <p:nvPr>
             <p:custDataLst>
-              <p:tags r:id="rId23"/>
+              <p:tags r:id="rId22"/>
             </p:custDataLst>
           </p:nvPr>
         </p:nvSpPr>
@@ -4811,7 +4796,7 @@
           <p:cNvSpPr/>
           <p:nvPr>
             <p:custDataLst>
-              <p:tags r:id="rId24"/>
+              <p:tags r:id="rId23"/>
             </p:custDataLst>
           </p:nvPr>
         </p:nvSpPr>
@@ -4858,7 +4843,7 @@
           <p:cNvSpPr/>
           <p:nvPr>
             <p:custDataLst>
-              <p:tags r:id="rId25"/>
+              <p:tags r:id="rId24"/>
             </p:custDataLst>
           </p:nvPr>
         </p:nvSpPr>
@@ -4938,7 +4923,7 @@
           <p:cNvSpPr/>
           <p:nvPr>
             <p:custDataLst>
-              <p:tags r:id="rId26"/>
+              <p:tags r:id="rId25"/>
             </p:custDataLst>
           </p:nvPr>
         </p:nvSpPr>
@@ -4985,7 +4970,7 @@
           <p:cNvSpPr/>
           <p:nvPr>
             <p:custDataLst>
-              <p:tags r:id="rId27"/>
+              <p:tags r:id="rId26"/>
             </p:custDataLst>
           </p:nvPr>
         </p:nvSpPr>
@@ -5043,15 +5028,12 @@
   <p:cSld>
     <p:bg>
       <p:bgPr>
-        <a:blipFill dpi="0" rotWithShape="1">
-          <a:blip r:embed="rId1">
-            <a:lum/>
-          </a:blip>
-          <a:srcRect/>
-          <a:stretch>
-            <a:fillRect/>
-          </a:stretch>
-        </a:blipFill>
+        <a:solidFill>
+          <a:schemeClr val="accent6">
+            <a:lumMod val="40000"/>
+            <a:lumOff val="60000"/>
+          </a:schemeClr>
+        </a:solidFill>
         <a:effectLst/>
       </p:bgPr>
     </p:bg>
@@ -5078,7 +5060,7 @@
           <p:nvPr/>
         </p:nvPicPr>
         <p:blipFill>
-          <a:blip r:embed="rId2"/>
+          <a:blip r:embed="rId1"/>
           <a:stretch>
             <a:fillRect/>
           </a:stretch>
@@ -5198,15 +5180,12 @@
   <p:cSld>
     <p:bg>
       <p:bgPr>
-        <a:blipFill dpi="0" rotWithShape="1">
-          <a:blip r:embed="rId1">
-            <a:lum/>
-          </a:blip>
-          <a:srcRect/>
-          <a:stretch>
-            <a:fillRect/>
-          </a:stretch>
-        </a:blipFill>
+        <a:solidFill>
+          <a:schemeClr val="accent6">
+            <a:lumMod val="40000"/>
+            <a:lumOff val="60000"/>
+          </a:schemeClr>
+        </a:solidFill>
         <a:effectLst/>
       </p:bgPr>
     </p:bg>
@@ -5279,7 +5258,7 @@
           <p:nvPr/>
         </p:nvPicPr>
         <p:blipFill>
-          <a:blip r:embed="rId2"/>
+          <a:blip r:embed="rId1"/>
           <a:stretch>
             <a:fillRect/>
           </a:stretch>
@@ -5303,7 +5282,7 @@
           <p:nvPr/>
         </p:nvPicPr>
         <p:blipFill>
-          <a:blip r:embed="rId2"/>
+          <a:blip r:embed="rId1"/>
           <a:stretch>
             <a:fillRect/>
           </a:stretch>
@@ -5327,7 +5306,7 @@
           <p:nvPr/>
         </p:nvPicPr>
         <p:blipFill>
-          <a:blip r:embed="rId3"/>
+          <a:blip r:embed="rId2"/>
           <a:stretch>
             <a:fillRect/>
           </a:stretch>
@@ -5589,7 +5568,7 @@
           <p:nvPr/>
         </p:nvPicPr>
         <p:blipFill>
-          <a:blip r:embed="rId4"/>
+          <a:blip r:embed="rId3"/>
           <a:stretch>
             <a:fillRect/>
           </a:stretch>
@@ -5617,15 +5596,12 @@
   <p:cSld>
     <p:bg>
       <p:bgPr>
-        <a:blipFill dpi="0" rotWithShape="1">
-          <a:blip r:embed="rId1">
-            <a:lum/>
-          </a:blip>
-          <a:srcRect/>
-          <a:stretch>
-            <a:fillRect/>
-          </a:stretch>
-        </a:blipFill>
+        <a:solidFill>
+          <a:schemeClr val="accent6">
+            <a:lumMod val="40000"/>
+            <a:lumOff val="60000"/>
+          </a:schemeClr>
+        </a:solidFill>
         <a:effectLst/>
       </p:bgPr>
     </p:bg>
@@ -5698,7 +5674,7 @@
           <p:nvPr/>
         </p:nvPicPr>
         <p:blipFill>
-          <a:blip r:embed="rId2"/>
+          <a:blip r:embed="rId1"/>
           <a:stretch>
             <a:fillRect/>
           </a:stretch>
@@ -5722,7 +5698,7 @@
           <p:nvPr/>
         </p:nvPicPr>
         <p:blipFill>
-          <a:blip r:embed="rId2"/>
+          <a:blip r:embed="rId1"/>
           <a:stretch>
             <a:fillRect/>
           </a:stretch>
@@ -5746,7 +5722,7 @@
           <p:nvPr/>
         </p:nvPicPr>
         <p:blipFill>
-          <a:blip r:embed="rId3"/>
+          <a:blip r:embed="rId2"/>
           <a:stretch>
             <a:fillRect/>
           </a:stretch>
@@ -5929,7 +5905,7 @@
           <p:nvPr/>
         </p:nvPicPr>
         <p:blipFill>
-          <a:blip r:embed="rId4"/>
+          <a:blip r:embed="rId3"/>
           <a:stretch>
             <a:fillRect/>
           </a:stretch>
@@ -5957,15 +5933,12 @@
   <p:cSld>
     <p:bg>
       <p:bgPr>
-        <a:blipFill dpi="0" rotWithShape="1">
-          <a:blip r:embed="rId1">
-            <a:lum/>
-          </a:blip>
-          <a:srcRect/>
-          <a:stretch>
-            <a:fillRect/>
-          </a:stretch>
-        </a:blipFill>
+        <a:solidFill>
+          <a:schemeClr val="accent6">
+            <a:lumMod val="40000"/>
+            <a:lumOff val="60000"/>
+          </a:schemeClr>
+        </a:solidFill>
         <a:effectLst/>
       </p:bgPr>
     </p:bg>
@@ -5992,7 +5965,7 @@
           <p:nvPr/>
         </p:nvPicPr>
         <p:blipFill>
-          <a:blip r:embed="rId2"/>
+          <a:blip r:embed="rId1"/>
           <a:stretch>
             <a:fillRect/>
           </a:stretch>
@@ -6112,15 +6085,12 @@
   <p:cSld>
     <p:bg>
       <p:bgPr>
-        <a:blipFill dpi="0" rotWithShape="1">
-          <a:blip r:embed="rId1">
-            <a:lum/>
-          </a:blip>
-          <a:srcRect/>
-          <a:stretch>
-            <a:fillRect/>
-          </a:stretch>
-        </a:blipFill>
+        <a:solidFill>
+          <a:schemeClr val="accent6">
+            <a:lumMod val="40000"/>
+            <a:lumOff val="60000"/>
+          </a:schemeClr>
+        </a:solidFill>
         <a:effectLst/>
       </p:bgPr>
     </p:bg>
@@ -6193,7 +6163,7 @@
           <p:nvPr/>
         </p:nvPicPr>
         <p:blipFill>
-          <a:blip r:embed="rId2"/>
+          <a:blip r:embed="rId1"/>
           <a:stretch>
             <a:fillRect/>
           </a:stretch>
@@ -6211,6 +6181,30 @@
       <p:pic>
         <p:nvPicPr>
           <p:cNvPr id="4" name="Image 1" descr="preencoded.png"/>
+          <p:cNvPicPr>
+            <a:picLocks noChangeAspect="1"/>
+          </p:cNvPicPr>
+          <p:nvPr/>
+        </p:nvPicPr>
+        <p:blipFill>
+          <a:blip r:embed="rId1"/>
+          <a:stretch>
+            <a:fillRect/>
+          </a:stretch>
+        </p:blipFill>
+        <p:spPr>
+          <a:xfrm>
+            <a:off x="409897" y="222075"/>
+            <a:ext cx="346608" cy="346608"/>
+          </a:xfrm>
+          <a:prstGeom prst="rect">
+            <a:avLst/>
+          </a:prstGeom>
+        </p:spPr>
+      </p:pic>
+      <p:pic>
+        <p:nvPicPr>
+          <p:cNvPr id="5" name="Image 2" descr="preencoded.png"/>
           <p:cNvPicPr>
             <a:picLocks noChangeAspect="1"/>
           </p:cNvPicPr>
@@ -6224,30 +6218,6 @@
         </p:blipFill>
         <p:spPr>
           <a:xfrm>
-            <a:off x="409897" y="222075"/>
-            <a:ext cx="346608" cy="346608"/>
-          </a:xfrm>
-          <a:prstGeom prst="rect">
-            <a:avLst/>
-          </a:prstGeom>
-        </p:spPr>
-      </p:pic>
-      <p:pic>
-        <p:nvPicPr>
-          <p:cNvPr id="5" name="Image 2" descr="preencoded.png"/>
-          <p:cNvPicPr>
-            <a:picLocks noChangeAspect="1"/>
-          </p:cNvPicPr>
-          <p:nvPr/>
-        </p:nvPicPr>
-        <p:blipFill>
-          <a:blip r:embed="rId3"/>
-          <a:stretch>
-            <a:fillRect/>
-          </a:stretch>
-        </p:blipFill>
-        <p:spPr>
-          <a:xfrm>
             <a:off x="218305" y="222075"/>
             <a:ext cx="346608" cy="346608"/>
           </a:xfrm>
@@ -6264,12 +6234,12 @@
           </p:cNvPicPr>
           <p:nvPr>
             <p:custDataLst>
-              <p:tags r:id="rId4"/>
+              <p:tags r:id="rId3"/>
             </p:custDataLst>
           </p:nvPr>
         </p:nvPicPr>
         <p:blipFill>
-          <a:blip r:embed="rId5">
+          <a:blip r:embed="rId4">
             <a:alphaModFix amt="10000"/>
           </a:blip>
           <a:stretch>
@@ -6294,12 +6264,12 @@
           </p:cNvPicPr>
           <p:nvPr>
             <p:custDataLst>
-              <p:tags r:id="rId6"/>
+              <p:tags r:id="rId5"/>
             </p:custDataLst>
           </p:nvPr>
         </p:nvPicPr>
         <p:blipFill>
-          <a:blip r:embed="rId7"/>
+          <a:blip r:embed="rId6"/>
           <a:stretch>
             <a:fillRect/>
           </a:stretch>
@@ -6320,7 +6290,7 @@
           <p:cNvSpPr/>
           <p:nvPr>
             <p:custDataLst>
-              <p:tags r:id="rId8"/>
+              <p:tags r:id="rId7"/>
             </p:custDataLst>
           </p:nvPr>
         </p:nvSpPr>
@@ -6372,12 +6342,12 @@
           </p:cNvPicPr>
           <p:nvPr>
             <p:custDataLst>
-              <p:tags r:id="rId9"/>
+              <p:tags r:id="rId8"/>
             </p:custDataLst>
           </p:nvPr>
         </p:nvPicPr>
         <p:blipFill>
-          <a:blip r:embed="rId10">
+          <a:blip r:embed="rId9">
             <a:alphaModFix amt="10000"/>
           </a:blip>
           <a:stretch>
@@ -6402,12 +6372,12 @@
           </p:cNvPicPr>
           <p:nvPr>
             <p:custDataLst>
-              <p:tags r:id="rId11"/>
+              <p:tags r:id="rId10"/>
             </p:custDataLst>
           </p:nvPr>
         </p:nvPicPr>
         <p:blipFill>
-          <a:blip r:embed="rId12"/>
+          <a:blip r:embed="rId11"/>
           <a:stretch>
             <a:fillRect/>
           </a:stretch>
@@ -6428,7 +6398,7 @@
           <p:cNvSpPr/>
           <p:nvPr>
             <p:custDataLst>
-              <p:tags r:id="rId13"/>
+              <p:tags r:id="rId12"/>
             </p:custDataLst>
           </p:nvPr>
         </p:nvSpPr>
@@ -6480,12 +6450,12 @@
           </p:cNvPicPr>
           <p:nvPr>
             <p:custDataLst>
-              <p:tags r:id="rId14"/>
+              <p:tags r:id="rId13"/>
             </p:custDataLst>
           </p:nvPr>
         </p:nvPicPr>
         <p:blipFill>
-          <a:blip r:embed="rId15">
+          <a:blip r:embed="rId14">
             <a:alphaModFix amt="10000"/>
           </a:blip>
           <a:stretch>
@@ -6510,12 +6480,12 @@
           </p:cNvPicPr>
           <p:nvPr>
             <p:custDataLst>
-              <p:tags r:id="rId16"/>
+              <p:tags r:id="rId15"/>
             </p:custDataLst>
           </p:nvPr>
         </p:nvPicPr>
         <p:blipFill>
-          <a:blip r:embed="rId7"/>
+          <a:blip r:embed="rId6"/>
           <a:stretch>
             <a:fillRect/>
           </a:stretch>
@@ -6536,7 +6506,7 @@
           <p:cNvSpPr/>
           <p:nvPr>
             <p:custDataLst>
-              <p:tags r:id="rId17"/>
+              <p:tags r:id="rId16"/>
             </p:custDataLst>
           </p:nvPr>
         </p:nvSpPr>
@@ -6588,12 +6558,12 @@
           </p:cNvPicPr>
           <p:nvPr>
             <p:custDataLst>
-              <p:tags r:id="rId18"/>
+              <p:tags r:id="rId17"/>
             </p:custDataLst>
           </p:nvPr>
         </p:nvPicPr>
         <p:blipFill>
-          <a:blip r:embed="rId19">
+          <a:blip r:embed="rId18">
             <a:alphaModFix amt="10000"/>
           </a:blip>
           <a:stretch>
@@ -6618,12 +6588,12 @@
           </p:cNvPicPr>
           <p:nvPr>
             <p:custDataLst>
-              <p:tags r:id="rId20"/>
+              <p:tags r:id="rId19"/>
             </p:custDataLst>
           </p:nvPr>
         </p:nvPicPr>
         <p:blipFill>
-          <a:blip r:embed="rId12"/>
+          <a:blip r:embed="rId11"/>
           <a:stretch>
             <a:fillRect/>
           </a:stretch>
@@ -6644,7 +6614,7 @@
           <p:cNvSpPr/>
           <p:nvPr>
             <p:custDataLst>
-              <p:tags r:id="rId21"/>
+              <p:tags r:id="rId20"/>
             </p:custDataLst>
           </p:nvPr>
         </p:nvSpPr>
@@ -6696,12 +6666,12 @@
           </p:cNvPicPr>
           <p:nvPr>
             <p:custDataLst>
-              <p:tags r:id="rId22"/>
+              <p:tags r:id="rId21"/>
             </p:custDataLst>
           </p:nvPr>
         </p:nvPicPr>
         <p:blipFill>
-          <a:blip r:embed="rId23">
+          <a:blip r:embed="rId22">
             <a:alphaModFix amt="10000"/>
           </a:blip>
           <a:stretch>
@@ -6726,12 +6696,12 @@
           </p:cNvPicPr>
           <p:nvPr>
             <p:custDataLst>
-              <p:tags r:id="rId24"/>
+              <p:tags r:id="rId23"/>
             </p:custDataLst>
           </p:nvPr>
         </p:nvPicPr>
         <p:blipFill>
-          <a:blip r:embed="rId7"/>
+          <a:blip r:embed="rId6"/>
           <a:stretch>
             <a:fillRect/>
           </a:stretch>
@@ -6752,7 +6722,7 @@
           <p:cNvSpPr/>
           <p:nvPr>
             <p:custDataLst>
-              <p:tags r:id="rId25"/>
+              <p:tags r:id="rId24"/>
             </p:custDataLst>
           </p:nvPr>
         </p:nvSpPr>
@@ -6804,12 +6774,12 @@
           </p:cNvPicPr>
           <p:nvPr>
             <p:custDataLst>
-              <p:tags r:id="rId26"/>
+              <p:tags r:id="rId25"/>
             </p:custDataLst>
           </p:nvPr>
         </p:nvPicPr>
         <p:blipFill>
-          <a:blip r:embed="rId27">
+          <a:blip r:embed="rId26">
             <a:alphaModFix amt="10000"/>
           </a:blip>
           <a:stretch>
@@ -6834,12 +6804,12 @@
           </p:cNvPicPr>
           <p:nvPr>
             <p:custDataLst>
-              <p:tags r:id="rId28"/>
+              <p:tags r:id="rId27"/>
             </p:custDataLst>
           </p:nvPr>
         </p:nvPicPr>
         <p:blipFill>
-          <a:blip r:embed="rId12"/>
+          <a:blip r:embed="rId11"/>
           <a:stretch>
             <a:fillRect/>
           </a:stretch>
@@ -6860,7 +6830,7 @@
           <p:cNvSpPr/>
           <p:nvPr>
             <p:custDataLst>
-              <p:tags r:id="rId29"/>
+              <p:tags r:id="rId28"/>
             </p:custDataLst>
           </p:nvPr>
         </p:nvSpPr>
@@ -6912,12 +6882,12 @@
           </p:cNvPicPr>
           <p:nvPr>
             <p:custDataLst>
-              <p:tags r:id="rId30"/>
+              <p:tags r:id="rId29"/>
             </p:custDataLst>
           </p:nvPr>
         </p:nvPicPr>
         <p:blipFill>
-          <a:blip r:embed="rId31">
+          <a:blip r:embed="rId30">
             <a:alphaModFix amt="10000"/>
           </a:blip>
           <a:stretch>
@@ -6942,12 +6912,12 @@
           </p:cNvPicPr>
           <p:nvPr>
             <p:custDataLst>
-              <p:tags r:id="rId32"/>
+              <p:tags r:id="rId31"/>
             </p:custDataLst>
           </p:nvPr>
         </p:nvPicPr>
         <p:blipFill>
-          <a:blip r:embed="rId7"/>
+          <a:blip r:embed="rId6"/>
           <a:stretch>
             <a:fillRect/>
           </a:stretch>
@@ -6968,7 +6938,7 @@
           <p:cNvSpPr/>
           <p:nvPr>
             <p:custDataLst>
-              <p:tags r:id="rId33"/>
+              <p:tags r:id="rId32"/>
             </p:custDataLst>
           </p:nvPr>
         </p:nvSpPr>
@@ -7018,7 +6988,7 @@
           <p:cNvSpPr/>
           <p:nvPr>
             <p:custDataLst>
-              <p:tags r:id="rId34"/>
+              <p:tags r:id="rId33"/>
             </p:custDataLst>
           </p:nvPr>
         </p:nvSpPr>
@@ -7068,7 +7038,7 @@
           <p:cNvSpPr/>
           <p:nvPr>
             <p:custDataLst>
-              <p:tags r:id="rId35"/>
+              <p:tags r:id="rId34"/>
             </p:custDataLst>
           </p:nvPr>
         </p:nvSpPr>
@@ -7118,7 +7088,7 @@
           <p:cNvSpPr/>
           <p:nvPr>
             <p:custDataLst>
-              <p:tags r:id="rId36"/>
+              <p:tags r:id="rId35"/>
             </p:custDataLst>
           </p:nvPr>
         </p:nvSpPr>
@@ -7179,7 +7149,7 @@
           <p:cNvSpPr/>
           <p:nvPr>
             <p:custDataLst>
-              <p:tags r:id="rId37"/>
+              <p:tags r:id="rId36"/>
             </p:custDataLst>
           </p:nvPr>
         </p:nvSpPr>
@@ -7251,7 +7221,7 @@
           <p:cNvSpPr/>
           <p:nvPr>
             <p:custDataLst>
-              <p:tags r:id="rId38"/>
+              <p:tags r:id="rId37"/>
             </p:custDataLst>
           </p:nvPr>
         </p:nvSpPr>
@@ -7301,7 +7271,7 @@
           <p:cNvSpPr/>
           <p:nvPr>
             <p:custDataLst>
-              <p:tags r:id="rId39"/>
+              <p:tags r:id="rId38"/>
             </p:custDataLst>
           </p:nvPr>
         </p:nvSpPr>
@@ -7351,7 +7321,7 @@
           <p:cNvSpPr/>
           <p:nvPr>
             <p:custDataLst>
-              <p:tags r:id="rId40"/>
+              <p:tags r:id="rId39"/>
             </p:custDataLst>
           </p:nvPr>
         </p:nvSpPr>
@@ -7404,7 +7374,7 @@
           <p:nvPr/>
         </p:nvPicPr>
         <p:blipFill>
-          <a:blip r:embed="rId41"/>
+          <a:blip r:embed="rId40"/>
           <a:stretch>
             <a:fillRect/>
           </a:stretch>
@@ -7432,15 +7402,12 @@
   <p:cSld>
     <p:bg>
       <p:bgPr>
-        <a:blipFill dpi="0" rotWithShape="1">
-          <a:blip r:embed="rId1">
-            <a:lum/>
-          </a:blip>
-          <a:srcRect/>
-          <a:stretch>
-            <a:fillRect/>
-          </a:stretch>
-        </a:blipFill>
+        <a:solidFill>
+          <a:schemeClr val="accent6">
+            <a:lumMod val="40000"/>
+            <a:lumOff val="60000"/>
+          </a:schemeClr>
+        </a:solidFill>
         <a:effectLst/>
       </p:bgPr>
     </p:bg>
@@ -7588,15 +7555,12 @@
   <p:cSld>
     <p:bg>
       <p:bgPr>
-        <a:blipFill dpi="0" rotWithShape="1">
-          <a:blip r:embed="rId1">
-            <a:lum/>
-          </a:blip>
-          <a:srcRect/>
-          <a:stretch>
-            <a:fillRect/>
-          </a:stretch>
-        </a:blipFill>
+        <a:solidFill>
+          <a:schemeClr val="accent6">
+            <a:lumMod val="40000"/>
+            <a:lumOff val="60000"/>
+          </a:schemeClr>
+        </a:solidFill>
         <a:effectLst/>
       </p:bgPr>
     </p:bg>
@@ -8273,15 +8237,12 @@
   <p:cSld>
     <p:bg>
       <p:bgPr>
-        <a:blipFill dpi="0" rotWithShape="1">
-          <a:blip r:embed="rId1">
-            <a:lum/>
-          </a:blip>
-          <a:srcRect/>
-          <a:stretch>
-            <a:fillRect/>
-          </a:stretch>
-        </a:blipFill>
+        <a:solidFill>
+          <a:schemeClr val="accent6">
+            <a:lumMod val="40000"/>
+            <a:lumOff val="60000"/>
+          </a:schemeClr>
+        </a:solidFill>
         <a:effectLst/>
       </p:bgPr>
     </p:bg>
@@ -8308,7 +8269,7 @@
           <p:nvPr/>
         </p:nvPicPr>
         <p:blipFill>
-          <a:blip r:embed="rId2"/>
+          <a:blip r:embed="rId1"/>
           <a:stretch>
             <a:fillRect/>
           </a:stretch>
@@ -8428,15 +8389,12 @@
   <p:cSld>
     <p:bg>
       <p:bgPr>
-        <a:blipFill dpi="0" rotWithShape="1">
-          <a:blip r:embed="rId1">
-            <a:lum/>
-          </a:blip>
-          <a:srcRect/>
-          <a:stretch>
-            <a:fillRect/>
-          </a:stretch>
-        </a:blipFill>
+        <a:solidFill>
+          <a:schemeClr val="accent6">
+            <a:lumMod val="40000"/>
+            <a:lumOff val="60000"/>
+          </a:schemeClr>
+        </a:solidFill>
         <a:effectLst/>
       </p:bgPr>
     </p:bg>
@@ -8509,7 +8467,7 @@
           <p:nvPr/>
         </p:nvPicPr>
         <p:blipFill>
-          <a:blip r:embed="rId2"/>
+          <a:blip r:embed="rId1"/>
           <a:stretch>
             <a:fillRect/>
           </a:stretch>
@@ -8527,6 +8485,30 @@
       <p:pic>
         <p:nvPicPr>
           <p:cNvPr id="4" name="Image 1" descr="preencoded.png"/>
+          <p:cNvPicPr>
+            <a:picLocks noChangeAspect="1"/>
+          </p:cNvPicPr>
+          <p:nvPr/>
+        </p:nvPicPr>
+        <p:blipFill>
+          <a:blip r:embed="rId1"/>
+          <a:stretch>
+            <a:fillRect/>
+          </a:stretch>
+        </p:blipFill>
+        <p:spPr>
+          <a:xfrm>
+            <a:off x="409897" y="222075"/>
+            <a:ext cx="346608" cy="346608"/>
+          </a:xfrm>
+          <a:prstGeom prst="rect">
+            <a:avLst/>
+          </a:prstGeom>
+        </p:spPr>
+      </p:pic>
+      <p:pic>
+        <p:nvPicPr>
+          <p:cNvPr id="5" name="Image 2" descr="preencoded.png"/>
           <p:cNvPicPr>
             <a:picLocks noChangeAspect="1"/>
           </p:cNvPicPr>
@@ -8540,7 +8522,7 @@
         </p:blipFill>
         <p:spPr>
           <a:xfrm>
-            <a:off x="409897" y="222075"/>
+            <a:off x="218305" y="222075"/>
             <a:ext cx="346608" cy="346608"/>
           </a:xfrm>
           <a:prstGeom prst="rect">
@@ -8548,9 +8530,98 @@
           </a:prstGeom>
         </p:spPr>
       </p:pic>
+      <p:sp>
+        <p:nvSpPr>
+          <p:cNvPr id="7" name="Text 1"/>
+          <p:cNvSpPr/>
+          <p:nvPr/>
+        </p:nvSpPr>
+        <p:spPr>
+          <a:xfrm>
+            <a:off x="3736340" y="1199515"/>
+            <a:ext cx="5212080" cy="2786380"/>
+          </a:xfrm>
+          <a:prstGeom prst="rect">
+            <a:avLst/>
+          </a:prstGeom>
+          <a:noFill/>
+        </p:spPr>
+        <p:txBody>
+          <a:bodyPr wrap="square" lIns="95250" tIns="95250" rIns="95250" bIns="95250" rtlCol="0" anchor="t">
+            <a:noAutofit/>
+          </a:bodyPr>
+          <a:lstStyle/>
+          <a:p>
+            <a:pPr algn="l"/>
+            <a:r>
+              <a:rPr lang="zh-CN" altLang="en-US" sz="1200">
+                <a:sym typeface="+mn-ea"/>
+              </a:rPr>
+              <a:t>随着社会经济水平的不断提高和人们健康意识的普遍增强，运动健身已逐渐成为现代生活的重要组成部分。然而，许多健身初学者在面对海量的健身信息时，常常感到无所适从，缺乏系统、科学的指导，不仅浪费了大量的时间和金钱，甚至可能因不当的锻炼方式导致运动损伤。与此同时，健身教练和管理者也需要一个高效的平台来管理学员、发布内容和追踪训练效果。</a:t>
+            </a:r>
+            <a:endParaRPr lang="zh-CN" altLang="en-US" sz="1200">
+              <a:solidFill>
+                <a:schemeClr val="tx1"/>
+              </a:solidFill>
+            </a:endParaRPr>
+          </a:p>
+          <a:p>
+            <a:pPr algn="l"/>
+            <a:endParaRPr lang="en-US" altLang="zh-CN" sz="1200">
+              <a:sym typeface="+mn-ea"/>
+            </a:endParaRPr>
+          </a:p>
+          <a:p>
+            <a:pPr algn="l"/>
+            <a:r>
+              <a:rPr lang="en-US" altLang="zh-CN" sz="1200">
+                <a:sym typeface="+mn-ea"/>
+              </a:rPr>
+              <a:t>“</a:t>
+            </a:r>
+            <a:r>
+              <a:rPr lang="zh-CN" altLang="en-US" sz="1200">
+                <a:sym typeface="+mn-ea"/>
+              </a:rPr>
+              <a:t>小鲨鱼运动健身管理系统</a:t>
+            </a:r>
+            <a:r>
+              <a:rPr lang="en-US" altLang="zh-CN" sz="1200">
+                <a:sym typeface="+mn-ea"/>
+              </a:rPr>
+              <a:t>”</a:t>
+            </a:r>
+            <a:r>
+              <a:rPr lang="zh-CN" altLang="en-US" sz="1200">
+                <a:sym typeface="+mn-ea"/>
+              </a:rPr>
+              <a:t>旨在解决这一痛点。本课题通过开发一个集用户、教练、管理员三方于一体的综合性网络平台，实现了健身知识的系统化管理、个性化训练计划的定制与追踪、以及社区互动等功能。该系统的开发具有以下几点重要意义：</a:t>
+            </a:r>
+            <a:endParaRPr lang="zh-CN" altLang="en-US" sz="1200">
+              <a:solidFill>
+                <a:schemeClr val="tx1"/>
+              </a:solidFill>
+            </a:endParaRPr>
+          </a:p>
+          <a:p>
+            <a:pPr algn="l"/>
+            <a:r>
+              <a:rPr lang="zh-CN" altLang="en-US" sz="1200">
+                <a:sym typeface="+mn-ea"/>
+              </a:rPr>
+              <a:t>提升健身学习效率与科学性，降低健身成本，优化健身行业运营管理，促进健身社区的形成。</a:t>
+            </a:r>
+            <a:endParaRPr lang="en-US" sz="1200" dirty="0">
+              <a:latin typeface="宋体" panose="02010600030101010101" pitchFamily="2" charset="-122"/>
+              <a:ea typeface="宋体" panose="02010600030101010101" pitchFamily="2" charset="-122"/>
+              <a:cs typeface="宋体" panose="02010600030101010101" pitchFamily="2" charset="-122"/>
+            </a:endParaRPr>
+          </a:p>
+        </p:txBody>
+      </p:sp>
       <p:pic>
         <p:nvPicPr>
-          <p:cNvPr id="5" name="Image 2" descr="preencoded.png"/>
+          <p:cNvPr id="8" name="图片 7"/>
           <p:cNvPicPr>
             <a:picLocks noChangeAspect="1"/>
           </p:cNvPicPr>
@@ -8564,119 +8635,6 @@
         </p:blipFill>
         <p:spPr>
           <a:xfrm>
-            <a:off x="218305" y="222075"/>
-            <a:ext cx="346608" cy="346608"/>
-          </a:xfrm>
-          <a:prstGeom prst="rect">
-            <a:avLst/>
-          </a:prstGeom>
-        </p:spPr>
-      </p:pic>
-      <p:sp>
-        <p:nvSpPr>
-          <p:cNvPr id="7" name="Text 1"/>
-          <p:cNvSpPr/>
-          <p:nvPr/>
-        </p:nvSpPr>
-        <p:spPr>
-          <a:xfrm>
-            <a:off x="3736340" y="1199515"/>
-            <a:ext cx="5212080" cy="2786380"/>
-          </a:xfrm>
-          <a:prstGeom prst="rect">
-            <a:avLst/>
-          </a:prstGeom>
-          <a:noFill/>
-        </p:spPr>
-        <p:txBody>
-          <a:bodyPr wrap="square" lIns="95250" tIns="95250" rIns="95250" bIns="95250" rtlCol="0" anchor="t">
-            <a:noAutofit/>
-          </a:bodyPr>
-          <a:lstStyle/>
-          <a:p>
-            <a:pPr algn="l"/>
-            <a:r>
-              <a:rPr lang="zh-CN" altLang="en-US" sz="1200">
-                <a:sym typeface="+mn-ea"/>
-              </a:rPr>
-              <a:t>随着社会经济水平的不断提高和人们健康意识的普遍增强，运动健身已逐渐成为现代生活的重要组成部分。然而，许多健身初学者在面对海量的健身信息时，常常感到无所适从，缺乏系统、科学的指导，不仅浪费了大量的时间和金钱，甚至可能因不当的锻炼方式导致运动损伤。与此同时，健身教练和管理者也需要一个高效的平台来管理学员、发布内容和追踪训练效果。</a:t>
-            </a:r>
-            <a:endParaRPr lang="zh-CN" altLang="en-US" sz="1200">
-              <a:solidFill>
-                <a:schemeClr val="tx1"/>
-              </a:solidFill>
-            </a:endParaRPr>
-          </a:p>
-          <a:p>
-            <a:pPr algn="l"/>
-            <a:endParaRPr lang="en-US" altLang="zh-CN" sz="1200">
-              <a:sym typeface="+mn-ea"/>
-            </a:endParaRPr>
-          </a:p>
-          <a:p>
-            <a:pPr algn="l"/>
-            <a:r>
-              <a:rPr lang="en-US" altLang="zh-CN" sz="1200">
-                <a:sym typeface="+mn-ea"/>
-              </a:rPr>
-              <a:t>“</a:t>
-            </a:r>
-            <a:r>
-              <a:rPr lang="zh-CN" altLang="en-US" sz="1200">
-                <a:sym typeface="+mn-ea"/>
-              </a:rPr>
-              <a:t>小鲨鱼运动健身管理系统</a:t>
-            </a:r>
-            <a:r>
-              <a:rPr lang="en-US" altLang="zh-CN" sz="1200">
-                <a:sym typeface="+mn-ea"/>
-              </a:rPr>
-              <a:t>”</a:t>
-            </a:r>
-            <a:r>
-              <a:rPr lang="zh-CN" altLang="en-US" sz="1200">
-                <a:sym typeface="+mn-ea"/>
-              </a:rPr>
-              <a:t>旨在解决这一痛点。本课题通过开发一个集用户、教练、管理员三方于一体的综合性网络平台，实现了健身知识的系统化管理、个性化训练计划的定制与追踪、以及社区互动等功能。该系统的开发具有以下几点重要意义：</a:t>
-            </a:r>
-            <a:endParaRPr lang="zh-CN" altLang="en-US" sz="1200">
-              <a:solidFill>
-                <a:schemeClr val="tx1"/>
-              </a:solidFill>
-            </a:endParaRPr>
-          </a:p>
-          <a:p>
-            <a:pPr algn="l"/>
-            <a:r>
-              <a:rPr lang="zh-CN" altLang="en-US" sz="1200">
-                <a:sym typeface="+mn-ea"/>
-              </a:rPr>
-              <a:t>提升健身学习效率与科学性，降低健身成本，优化健身行业运营管理，促进健身社区的形成。</a:t>
-            </a:r>
-            <a:endParaRPr lang="en-US" sz="1200" dirty="0">
-              <a:latin typeface="宋体" panose="02010600030101010101" pitchFamily="2" charset="-122"/>
-              <a:ea typeface="宋体" panose="02010600030101010101" pitchFamily="2" charset="-122"/>
-              <a:cs typeface="宋体" panose="02010600030101010101" pitchFamily="2" charset="-122"/>
-            </a:endParaRPr>
-          </a:p>
-        </p:txBody>
-      </p:sp>
-      <p:pic>
-        <p:nvPicPr>
-          <p:cNvPr id="8" name="图片 7"/>
-          <p:cNvPicPr>
-            <a:picLocks noChangeAspect="1"/>
-          </p:cNvPicPr>
-          <p:nvPr/>
-        </p:nvPicPr>
-        <p:blipFill>
-          <a:blip r:embed="rId4"/>
-          <a:stretch>
-            <a:fillRect/>
-          </a:stretch>
-        </p:blipFill>
-        <p:spPr>
-          <a:xfrm>
             <a:off x="410210" y="1143000"/>
             <a:ext cx="2692400" cy="3458845"/>
           </a:xfrm>
@@ -8698,15 +8656,12 @@
   <p:cSld>
     <p:bg>
       <p:bgPr>
-        <a:blipFill dpi="0" rotWithShape="1">
-          <a:blip r:embed="rId1">
-            <a:lum/>
-          </a:blip>
-          <a:srcRect/>
-          <a:stretch>
-            <a:fillRect/>
-          </a:stretch>
-        </a:blipFill>
+        <a:solidFill>
+          <a:schemeClr val="accent6">
+            <a:lumMod val="40000"/>
+            <a:lumOff val="60000"/>
+          </a:schemeClr>
+        </a:solidFill>
         <a:effectLst/>
       </p:bgPr>
     </p:bg>
@@ -8733,7 +8688,7 @@
           <p:nvPr/>
         </p:nvPicPr>
         <p:blipFill>
-          <a:blip r:embed="rId2"/>
+          <a:blip r:embed="rId1"/>
           <a:stretch>
             <a:fillRect/>
           </a:stretch>
@@ -8853,15 +8808,12 @@
   <p:cSld>
     <p:bg>
       <p:bgPr>
-        <a:blipFill dpi="0" rotWithShape="1">
-          <a:blip r:embed="rId1">
-            <a:lum/>
-          </a:blip>
-          <a:srcRect/>
-          <a:stretch>
-            <a:fillRect/>
-          </a:stretch>
-        </a:blipFill>
+        <a:solidFill>
+          <a:schemeClr val="accent6">
+            <a:lumMod val="40000"/>
+            <a:lumOff val="60000"/>
+          </a:schemeClr>
+        </a:solidFill>
         <a:effectLst/>
       </p:bgPr>
     </p:bg>
@@ -8934,7 +8886,7 @@
           <p:nvPr/>
         </p:nvPicPr>
         <p:blipFill>
-          <a:blip r:embed="rId2"/>
+          <a:blip r:embed="rId1"/>
           <a:stretch>
             <a:fillRect/>
           </a:stretch>
@@ -8952,6 +8904,30 @@
       <p:pic>
         <p:nvPicPr>
           <p:cNvPr id="4" name="Image 1" descr="preencoded.png"/>
+          <p:cNvPicPr>
+            <a:picLocks noChangeAspect="1"/>
+          </p:cNvPicPr>
+          <p:nvPr/>
+        </p:nvPicPr>
+        <p:blipFill>
+          <a:blip r:embed="rId1"/>
+          <a:stretch>
+            <a:fillRect/>
+          </a:stretch>
+        </p:blipFill>
+        <p:spPr>
+          <a:xfrm>
+            <a:off x="409897" y="222075"/>
+            <a:ext cx="346608" cy="346608"/>
+          </a:xfrm>
+          <a:prstGeom prst="rect">
+            <a:avLst/>
+          </a:prstGeom>
+        </p:spPr>
+      </p:pic>
+      <p:pic>
+        <p:nvPicPr>
+          <p:cNvPr id="5" name="Image 2" descr="preencoded.png"/>
           <p:cNvPicPr>
             <a:picLocks noChangeAspect="1"/>
           </p:cNvPicPr>
@@ -8965,30 +8941,6 @@
         </p:blipFill>
         <p:spPr>
           <a:xfrm>
-            <a:off x="409897" y="222075"/>
-            <a:ext cx="346608" cy="346608"/>
-          </a:xfrm>
-          <a:prstGeom prst="rect">
-            <a:avLst/>
-          </a:prstGeom>
-        </p:spPr>
-      </p:pic>
-      <p:pic>
-        <p:nvPicPr>
-          <p:cNvPr id="5" name="Image 2" descr="preencoded.png"/>
-          <p:cNvPicPr>
-            <a:picLocks noChangeAspect="1"/>
-          </p:cNvPicPr>
-          <p:nvPr/>
-        </p:nvPicPr>
-        <p:blipFill>
-          <a:blip r:embed="rId3"/>
-          <a:stretch>
-            <a:fillRect/>
-          </a:stretch>
-        </p:blipFill>
-        <p:spPr>
-          <a:xfrm>
             <a:off x="218305" y="222075"/>
             <a:ext cx="346608" cy="346608"/>
           </a:xfrm>
@@ -9005,12 +8957,12 @@
           </p:cNvPicPr>
           <p:nvPr>
             <p:custDataLst>
-              <p:tags r:id="rId4"/>
+              <p:tags r:id="rId3"/>
             </p:custDataLst>
           </p:nvPr>
         </p:nvPicPr>
         <p:blipFill>
-          <a:blip r:embed="rId5">
+          <a:blip r:embed="rId4">
             <a:alphaModFix amt="10000"/>
           </a:blip>
           <a:stretch>
@@ -9035,12 +8987,12 @@
           </p:cNvPicPr>
           <p:nvPr>
             <p:custDataLst>
-              <p:tags r:id="rId6"/>
+              <p:tags r:id="rId5"/>
             </p:custDataLst>
           </p:nvPr>
         </p:nvPicPr>
         <p:blipFill>
-          <a:blip r:embed="rId7">
+          <a:blip r:embed="rId6">
             <a:alphaModFix amt="10000"/>
           </a:blip>
           <a:stretch>
@@ -9065,12 +9017,12 @@
           </p:cNvPicPr>
           <p:nvPr>
             <p:custDataLst>
-              <p:tags r:id="rId8"/>
+              <p:tags r:id="rId7"/>
             </p:custDataLst>
           </p:nvPr>
         </p:nvPicPr>
         <p:blipFill>
-          <a:blip r:embed="rId9"/>
+          <a:blip r:embed="rId8"/>
           <a:stretch>
             <a:fillRect/>
           </a:stretch>
@@ -9091,7 +9043,7 @@
           <p:cNvSpPr/>
           <p:nvPr>
             <p:custDataLst>
-              <p:tags r:id="rId10"/>
+              <p:tags r:id="rId9"/>
             </p:custDataLst>
           </p:nvPr>
         </p:nvSpPr>
@@ -9136,12 +9088,12 @@
           </p:cNvPicPr>
           <p:nvPr>
             <p:custDataLst>
-              <p:tags r:id="rId11"/>
+              <p:tags r:id="rId10"/>
             </p:custDataLst>
           </p:nvPr>
         </p:nvPicPr>
         <p:blipFill>
-          <a:blip r:embed="rId5">
+          <a:blip r:embed="rId4">
             <a:alphaModFix amt="10000"/>
           </a:blip>
           <a:stretch>
@@ -9166,12 +9118,12 @@
           </p:cNvPicPr>
           <p:nvPr>
             <p:custDataLst>
-              <p:tags r:id="rId12"/>
+              <p:tags r:id="rId11"/>
             </p:custDataLst>
           </p:nvPr>
         </p:nvPicPr>
         <p:blipFill>
-          <a:blip r:embed="rId13">
+          <a:blip r:embed="rId12">
             <a:alphaModFix amt="10000"/>
           </a:blip>
           <a:stretch>
@@ -9194,7 +9146,7 @@
           <p:cNvSpPr/>
           <p:nvPr>
             <p:custDataLst>
-              <p:tags r:id="rId14"/>
+              <p:tags r:id="rId13"/>
             </p:custDataLst>
           </p:nvPr>
         </p:nvSpPr>
@@ -9269,14 +9221,14 @@
               <a:t>（即刻运动）等已经积累了亿级的用户规模。这些平台成功地将健身内容与社交元素相结合，通过提供从零基础入门到高阶训练的全套视频课程、发起线上挑战活动、建立用户社群等方式，极大地降低了大众参与健身的门槛。</a:t>
             </a:r>
             <a:r>
-              <a:rPr lang="" altLang="en-US" sz="1200" dirty="0">
+              <a:rPr lang="en-US" altLang="en-US" sz="1200" dirty="0">
                 <a:latin typeface="宋体" panose="02010600030101010101" pitchFamily="2" charset="-122"/>
                 <a:ea typeface="宋体" panose="02010600030101010101" pitchFamily="2" charset="-122"/>
                 <a:cs typeface="宋体" panose="02010600030101010101" pitchFamily="2" charset="-122"/>
               </a:rPr>
               <a:t> </a:t>
             </a:r>
-            <a:endParaRPr lang="" altLang="en-US" sz="1200" dirty="0">
+            <a:endParaRPr lang="en-US" altLang="en-US" sz="1200" dirty="0">
               <a:latin typeface="宋体" panose="02010600030101010101" pitchFamily="2" charset="-122"/>
               <a:ea typeface="宋体" panose="02010600030101010101" pitchFamily="2" charset="-122"/>
               <a:cs typeface="宋体" panose="02010600030101010101" pitchFamily="2" charset="-122"/>
@@ -9311,7 +9263,7 @@
           <p:cNvSpPr/>
           <p:nvPr>
             <p:custDataLst>
-              <p:tags r:id="rId15"/>
+              <p:tags r:id="rId14"/>
             </p:custDataLst>
           </p:nvPr>
         </p:nvSpPr>
@@ -9365,7 +9317,7 @@
           <p:cNvSpPr/>
           <p:nvPr>
             <p:custDataLst>
-              <p:tags r:id="rId16"/>
+              <p:tags r:id="rId15"/>
             </p:custDataLst>
           </p:nvPr>
         </p:nvSpPr>
@@ -9447,7 +9399,7 @@
           <p:cNvSpPr/>
           <p:nvPr>
             <p:custDataLst>
-              <p:tags r:id="rId17"/>
+              <p:tags r:id="rId16"/>
             </p:custDataLst>
           </p:nvPr>
         </p:nvSpPr>
@@ -9499,12 +9451,12 @@
           </p:cNvPicPr>
           <p:nvPr>
             <p:custDataLst>
-              <p:tags r:id="rId18"/>
+              <p:tags r:id="rId17"/>
             </p:custDataLst>
           </p:nvPr>
         </p:nvPicPr>
         <p:blipFill>
-          <a:blip r:embed="rId9"/>
+          <a:blip r:embed="rId8"/>
           <a:stretch>
             <a:fillRect/>
           </a:stretch>
@@ -9525,7 +9477,7 @@
           <p:cNvSpPr/>
           <p:nvPr>
             <p:custDataLst>
-              <p:tags r:id="rId19"/>
+              <p:tags r:id="rId18"/>
             </p:custDataLst>
           </p:nvPr>
         </p:nvSpPr>
@@ -9577,12 +9529,12 @@
           </p:cNvPicPr>
           <p:nvPr>
             <p:custDataLst>
-              <p:tags r:id="rId20"/>
+              <p:tags r:id="rId19"/>
             </p:custDataLst>
           </p:nvPr>
         </p:nvPicPr>
         <p:blipFill>
-          <a:blip r:embed="rId9"/>
+          <a:blip r:embed="rId8"/>
           <a:stretch>
             <a:fillRect/>
           </a:stretch>
@@ -9603,7 +9555,7 @@
           <p:cNvSpPr/>
           <p:nvPr>
             <p:custDataLst>
-              <p:tags r:id="rId21"/>
+              <p:tags r:id="rId20"/>
             </p:custDataLst>
           </p:nvPr>
         </p:nvSpPr>
@@ -9653,7 +9605,7 @@
           <p:cNvSpPr/>
           <p:nvPr>
             <p:custDataLst>
-              <p:tags r:id="rId22"/>
+              <p:tags r:id="rId21"/>
             </p:custDataLst>
           </p:nvPr>
         </p:nvSpPr>
@@ -9696,7 +9648,7 @@
           <p:cNvSpPr/>
           <p:nvPr>
             <p:custDataLst>
-              <p:tags r:id="rId23"/>
+              <p:tags r:id="rId22"/>
             </p:custDataLst>
           </p:nvPr>
         </p:nvSpPr>
@@ -9741,12 +9693,12 @@
           </p:cNvPicPr>
           <p:nvPr>
             <p:custDataLst>
-              <p:tags r:id="rId24"/>
+              <p:tags r:id="rId23"/>
             </p:custDataLst>
           </p:nvPr>
         </p:nvPicPr>
         <p:blipFill>
-          <a:blip r:embed="rId7">
+          <a:blip r:embed="rId6">
             <a:alphaModFix amt="10000"/>
           </a:blip>
           <a:stretch>
@@ -9771,12 +9723,12 @@
           </p:cNvPicPr>
           <p:nvPr>
             <p:custDataLst>
-              <p:tags r:id="rId25"/>
+              <p:tags r:id="rId24"/>
             </p:custDataLst>
           </p:nvPr>
         </p:nvPicPr>
         <p:blipFill>
-          <a:blip r:embed="rId7">
+          <a:blip r:embed="rId6">
             <a:alphaModFix amt="10000"/>
           </a:blip>
           <a:stretch>
@@ -9806,15 +9758,12 @@
   <p:cSld>
     <p:bg>
       <p:bgPr>
-        <a:blipFill dpi="0" rotWithShape="1">
-          <a:blip r:embed="rId1">
-            <a:lum/>
-          </a:blip>
-          <a:srcRect/>
-          <a:stretch>
-            <a:fillRect/>
-          </a:stretch>
-        </a:blipFill>
+        <a:solidFill>
+          <a:schemeClr val="accent6">
+            <a:lumMod val="40000"/>
+            <a:lumOff val="60000"/>
+          </a:schemeClr>
+        </a:solidFill>
         <a:effectLst/>
       </p:bgPr>
     </p:bg>
@@ -9887,7 +9836,7 @@
           <p:nvPr/>
         </p:nvPicPr>
         <p:blipFill>
-          <a:blip r:embed="rId2"/>
+          <a:blip r:embed="rId1"/>
           <a:stretch>
             <a:fillRect/>
           </a:stretch>
@@ -9905,6 +9854,30 @@
       <p:pic>
         <p:nvPicPr>
           <p:cNvPr id="4" name="Image 1" descr="preencoded.png"/>
+          <p:cNvPicPr>
+            <a:picLocks noChangeAspect="1"/>
+          </p:cNvPicPr>
+          <p:nvPr/>
+        </p:nvPicPr>
+        <p:blipFill>
+          <a:blip r:embed="rId1"/>
+          <a:stretch>
+            <a:fillRect/>
+          </a:stretch>
+        </p:blipFill>
+        <p:spPr>
+          <a:xfrm>
+            <a:off x="409897" y="222075"/>
+            <a:ext cx="346608" cy="346608"/>
+          </a:xfrm>
+          <a:prstGeom prst="rect">
+            <a:avLst/>
+          </a:prstGeom>
+        </p:spPr>
+      </p:pic>
+      <p:pic>
+        <p:nvPicPr>
+          <p:cNvPr id="5" name="Image 2" descr="preencoded.png"/>
           <p:cNvPicPr>
             <a:picLocks noChangeAspect="1"/>
           </p:cNvPicPr>
@@ -9918,30 +9891,6 @@
         </p:blipFill>
         <p:spPr>
           <a:xfrm>
-            <a:off x="409897" y="222075"/>
-            <a:ext cx="346608" cy="346608"/>
-          </a:xfrm>
-          <a:prstGeom prst="rect">
-            <a:avLst/>
-          </a:prstGeom>
-        </p:spPr>
-      </p:pic>
-      <p:pic>
-        <p:nvPicPr>
-          <p:cNvPr id="5" name="Image 2" descr="preencoded.png"/>
-          <p:cNvPicPr>
-            <a:picLocks noChangeAspect="1"/>
-          </p:cNvPicPr>
-          <p:nvPr/>
-        </p:nvPicPr>
-        <p:blipFill>
-          <a:blip r:embed="rId3"/>
-          <a:stretch>
-            <a:fillRect/>
-          </a:stretch>
-        </p:blipFill>
-        <p:spPr>
-          <a:xfrm>
             <a:off x="218305" y="222075"/>
             <a:ext cx="346608" cy="346608"/>
           </a:xfrm>
@@ -9958,12 +9907,12 @@
           </p:cNvPicPr>
           <p:nvPr>
             <p:custDataLst>
-              <p:tags r:id="rId4"/>
+              <p:tags r:id="rId3"/>
             </p:custDataLst>
           </p:nvPr>
         </p:nvPicPr>
         <p:blipFill>
-          <a:blip r:embed="rId5">
+          <a:blip r:embed="rId4">
             <a:alphaModFix amt="10000"/>
           </a:blip>
           <a:stretch>
@@ -9988,12 +9937,12 @@
           </p:cNvPicPr>
           <p:nvPr>
             <p:custDataLst>
-              <p:tags r:id="rId6"/>
+              <p:tags r:id="rId5"/>
             </p:custDataLst>
           </p:nvPr>
         </p:nvPicPr>
         <p:blipFill>
-          <a:blip r:embed="rId7">
+          <a:blip r:embed="rId6">
             <a:alphaModFix amt="10000"/>
           </a:blip>
           <a:stretch>
@@ -10018,12 +9967,12 @@
           </p:cNvPicPr>
           <p:nvPr>
             <p:custDataLst>
-              <p:tags r:id="rId8"/>
+              <p:tags r:id="rId7"/>
             </p:custDataLst>
           </p:nvPr>
         </p:nvPicPr>
         <p:blipFill>
-          <a:blip r:embed="rId9"/>
+          <a:blip r:embed="rId8"/>
           <a:stretch>
             <a:fillRect/>
           </a:stretch>
@@ -10044,7 +9993,7 @@
           <p:cNvSpPr/>
           <p:nvPr>
             <p:custDataLst>
-              <p:tags r:id="rId10"/>
+              <p:tags r:id="rId9"/>
             </p:custDataLst>
           </p:nvPr>
         </p:nvSpPr>
@@ -10089,12 +10038,12 @@
           </p:cNvPicPr>
           <p:nvPr>
             <p:custDataLst>
-              <p:tags r:id="rId11"/>
+              <p:tags r:id="rId10"/>
             </p:custDataLst>
           </p:nvPr>
         </p:nvPicPr>
         <p:blipFill>
-          <a:blip r:embed="rId5">
+          <a:blip r:embed="rId4">
             <a:alphaModFix amt="10000"/>
           </a:blip>
           <a:stretch>
@@ -10119,12 +10068,12 @@
           </p:cNvPicPr>
           <p:nvPr>
             <p:custDataLst>
-              <p:tags r:id="rId12"/>
+              <p:tags r:id="rId11"/>
             </p:custDataLst>
           </p:nvPr>
         </p:nvPicPr>
         <p:blipFill>
-          <a:blip r:embed="rId13">
+          <a:blip r:embed="rId12">
             <a:alphaModFix amt="10000"/>
           </a:blip>
           <a:stretch>
@@ -10147,7 +10096,7 @@
           <p:cNvSpPr/>
           <p:nvPr>
             <p:custDataLst>
-              <p:tags r:id="rId14"/>
+              <p:tags r:id="rId13"/>
             </p:custDataLst>
           </p:nvPr>
         </p:nvSpPr>
@@ -10299,7 +10248,7 @@
           <p:cNvSpPr/>
           <p:nvPr>
             <p:custDataLst>
-              <p:tags r:id="rId15"/>
+              <p:tags r:id="rId14"/>
             </p:custDataLst>
           </p:nvPr>
         </p:nvSpPr>
@@ -10347,7 +10296,7 @@
           <p:cNvSpPr/>
           <p:nvPr>
             <p:custDataLst>
-              <p:tags r:id="rId16"/>
+              <p:tags r:id="rId15"/>
             </p:custDataLst>
           </p:nvPr>
         </p:nvSpPr>
@@ -10453,7 +10402,7 @@
           <p:cNvSpPr/>
           <p:nvPr>
             <p:custDataLst>
-              <p:tags r:id="rId17"/>
+              <p:tags r:id="rId16"/>
             </p:custDataLst>
           </p:nvPr>
         </p:nvSpPr>
@@ -10505,12 +10454,12 @@
           </p:cNvPicPr>
           <p:nvPr>
             <p:custDataLst>
-              <p:tags r:id="rId18"/>
+              <p:tags r:id="rId17"/>
             </p:custDataLst>
           </p:nvPr>
         </p:nvPicPr>
         <p:blipFill>
-          <a:blip r:embed="rId9"/>
+          <a:blip r:embed="rId8"/>
           <a:stretch>
             <a:fillRect/>
           </a:stretch>
@@ -10531,7 +10480,7 @@
           <p:cNvSpPr/>
           <p:nvPr>
             <p:custDataLst>
-              <p:tags r:id="rId19"/>
+              <p:tags r:id="rId18"/>
             </p:custDataLst>
           </p:nvPr>
         </p:nvSpPr>
@@ -10583,12 +10532,12 @@
           </p:cNvPicPr>
           <p:nvPr>
             <p:custDataLst>
-              <p:tags r:id="rId20"/>
+              <p:tags r:id="rId19"/>
             </p:custDataLst>
           </p:nvPr>
         </p:nvPicPr>
         <p:blipFill>
-          <a:blip r:embed="rId9"/>
+          <a:blip r:embed="rId8"/>
           <a:stretch>
             <a:fillRect/>
           </a:stretch>
@@ -10609,7 +10558,7 @@
           <p:cNvSpPr/>
           <p:nvPr>
             <p:custDataLst>
-              <p:tags r:id="rId21"/>
+              <p:tags r:id="rId20"/>
             </p:custDataLst>
           </p:nvPr>
         </p:nvSpPr>
@@ -10659,7 +10608,7 @@
           <p:cNvSpPr/>
           <p:nvPr>
             <p:custDataLst>
-              <p:tags r:id="rId22"/>
+              <p:tags r:id="rId21"/>
             </p:custDataLst>
           </p:nvPr>
         </p:nvSpPr>
@@ -10702,7 +10651,7 @@
           <p:cNvSpPr/>
           <p:nvPr>
             <p:custDataLst>
-              <p:tags r:id="rId23"/>
+              <p:tags r:id="rId22"/>
             </p:custDataLst>
           </p:nvPr>
         </p:nvSpPr>
@@ -10747,12 +10696,12 @@
           </p:cNvPicPr>
           <p:nvPr>
             <p:custDataLst>
-              <p:tags r:id="rId24"/>
+              <p:tags r:id="rId23"/>
             </p:custDataLst>
           </p:nvPr>
         </p:nvPicPr>
         <p:blipFill>
-          <a:blip r:embed="rId7">
+          <a:blip r:embed="rId6">
             <a:alphaModFix amt="10000"/>
           </a:blip>
           <a:stretch>
@@ -10777,12 +10726,12 @@
           </p:cNvPicPr>
           <p:nvPr>
             <p:custDataLst>
-              <p:tags r:id="rId25"/>
+              <p:tags r:id="rId24"/>
             </p:custDataLst>
           </p:nvPr>
         </p:nvPicPr>
         <p:blipFill>
-          <a:blip r:embed="rId7">
+          <a:blip r:embed="rId6">
             <a:alphaModFix amt="10000"/>
           </a:blip>
           <a:stretch>
@@ -10812,15 +10761,12 @@
   <p:cSld>
     <p:bg>
       <p:bgPr>
-        <a:blipFill dpi="0" rotWithShape="1">
-          <a:blip r:embed="rId1">
-            <a:lum/>
-          </a:blip>
-          <a:srcRect/>
-          <a:stretch>
-            <a:fillRect/>
-          </a:stretch>
-        </a:blipFill>
+        <a:solidFill>
+          <a:schemeClr val="accent6">
+            <a:lumMod val="40000"/>
+            <a:lumOff val="60000"/>
+          </a:schemeClr>
+        </a:solidFill>
         <a:effectLst/>
       </p:bgPr>
     </p:bg>
@@ -10847,7 +10793,7 @@
           <p:nvPr/>
         </p:nvPicPr>
         <p:blipFill>
-          <a:blip r:embed="rId2"/>
+          <a:blip r:embed="rId1"/>
           <a:stretch>
             <a:fillRect/>
           </a:stretch>
@@ -10967,15 +10913,12 @@
   <p:cSld>
     <p:bg>
       <p:bgPr>
-        <a:blipFill dpi="0" rotWithShape="1">
-          <a:blip r:embed="rId1">
-            <a:lum/>
-          </a:blip>
-          <a:srcRect/>
-          <a:stretch>
-            <a:fillRect/>
-          </a:stretch>
-        </a:blipFill>
+        <a:solidFill>
+          <a:schemeClr val="accent6">
+            <a:lumMod val="40000"/>
+            <a:lumOff val="60000"/>
+          </a:schemeClr>
+        </a:solidFill>
         <a:effectLst/>
       </p:bgPr>
     </p:bg>
@@ -11048,7 +10991,7 @@
           <p:nvPr/>
         </p:nvPicPr>
         <p:blipFill>
-          <a:blip r:embed="rId2"/>
+          <a:blip r:embed="rId1"/>
           <a:stretch>
             <a:fillRect/>
           </a:stretch>
@@ -11066,6 +11009,30 @@
       <p:pic>
         <p:nvPicPr>
           <p:cNvPr id="4" name="Image 1" descr="preencoded.png"/>
+          <p:cNvPicPr>
+            <a:picLocks noChangeAspect="1"/>
+          </p:cNvPicPr>
+          <p:nvPr/>
+        </p:nvPicPr>
+        <p:blipFill>
+          <a:blip r:embed="rId1"/>
+          <a:stretch>
+            <a:fillRect/>
+          </a:stretch>
+        </p:blipFill>
+        <p:spPr>
+          <a:xfrm>
+            <a:off x="409897" y="222075"/>
+            <a:ext cx="346608" cy="346608"/>
+          </a:xfrm>
+          <a:prstGeom prst="rect">
+            <a:avLst/>
+          </a:prstGeom>
+        </p:spPr>
+      </p:pic>
+      <p:pic>
+        <p:nvPicPr>
+          <p:cNvPr id="5" name="Image 2" descr="preencoded.png"/>
           <p:cNvPicPr>
             <a:picLocks noChangeAspect="1"/>
           </p:cNvPicPr>
@@ -11079,7 +11046,7 @@
         </p:blipFill>
         <p:spPr>
           <a:xfrm>
-            <a:off x="409897" y="222075"/>
+            <a:off x="218305" y="222075"/>
             <a:ext cx="346608" cy="346608"/>
           </a:xfrm>
           <a:prstGeom prst="rect">
@@ -11089,22 +11056,24 @@
       </p:pic>
       <p:pic>
         <p:nvPicPr>
-          <p:cNvPr id="5" name="Image 2" descr="preencoded.png"/>
+          <p:cNvPr id="6" name="Image 3" descr="preencoded.png"/>
           <p:cNvPicPr>
             <a:picLocks noChangeAspect="1"/>
           </p:cNvPicPr>
           <p:nvPr/>
         </p:nvPicPr>
         <p:blipFill>
-          <a:blip r:embed="rId3"/>
+          <a:blip r:embed="rId3">
+            <a:alphaModFix amt="20000"/>
+          </a:blip>
           <a:stretch>
             <a:fillRect/>
           </a:stretch>
         </p:blipFill>
         <p:spPr>
           <a:xfrm>
-            <a:off x="218305" y="222075"/>
-            <a:ext cx="346608" cy="346608"/>
+            <a:off x="603401" y="1099566"/>
+            <a:ext cx="7497539" cy="1148825"/>
           </a:xfrm>
           <a:prstGeom prst="rect">
             <a:avLst/>
@@ -11113,7 +11082,7 @@
       </p:pic>
       <p:pic>
         <p:nvPicPr>
-          <p:cNvPr id="6" name="Image 3" descr="preencoded.png"/>
+          <p:cNvPr id="7" name="Image 4" descr="preencoded.png"/>
           <p:cNvPicPr>
             <a:picLocks noChangeAspect="1"/>
           </p:cNvPicPr>
@@ -11128,9 +11097,9 @@
           </a:stretch>
         </p:blipFill>
         <p:spPr>
-          <a:xfrm>
-            <a:off x="603401" y="1099566"/>
-            <a:ext cx="7497539" cy="1148825"/>
+          <a:xfrm rot="-8100000">
+            <a:off x="8148204" y="3558047"/>
+            <a:ext cx="325055" cy="325055"/>
           </a:xfrm>
           <a:prstGeom prst="rect">
             <a:avLst/>
@@ -11139,7 +11108,7 @@
       </p:pic>
       <p:pic>
         <p:nvPicPr>
-          <p:cNvPr id="7" name="Image 4" descr="preencoded.png"/>
+          <p:cNvPr id="8" name="Image 5" descr="preencoded.png"/>
           <p:cNvPicPr>
             <a:picLocks noChangeAspect="1"/>
           </p:cNvPicPr>
@@ -11154,32 +11123,6 @@
           </a:stretch>
         </p:blipFill>
         <p:spPr>
-          <a:xfrm rot="-8100000">
-            <a:off x="8148204" y="3558047"/>
-            <a:ext cx="325055" cy="325055"/>
-          </a:xfrm>
-          <a:prstGeom prst="rect">
-            <a:avLst/>
-          </a:prstGeom>
-        </p:spPr>
-      </p:pic>
-      <p:pic>
-        <p:nvPicPr>
-          <p:cNvPr id="8" name="Image 5" descr="preencoded.png"/>
-          <p:cNvPicPr>
-            <a:picLocks noChangeAspect="1"/>
-          </p:cNvPicPr>
-          <p:nvPr/>
-        </p:nvPicPr>
-        <p:blipFill>
-          <a:blip r:embed="rId6">
-            <a:alphaModFix amt="20000"/>
-          </a:blip>
-          <a:stretch>
-            <a:fillRect/>
-          </a:stretch>
-        </p:blipFill>
-        <p:spPr>
           <a:xfrm>
             <a:off x="601489" y="2311193"/>
             <a:ext cx="7497539" cy="2557724"/>
@@ -11198,7 +11141,7 @@
           <p:nvPr/>
         </p:nvPicPr>
         <p:blipFill>
-          <a:blip r:embed="rId5">
+          <a:blip r:embed="rId4">
             <a:alphaModFix amt="20000"/>
           </a:blip>
           <a:stretch>
@@ -11224,7 +11167,7 @@
           <p:nvPr/>
         </p:nvPicPr>
         <p:blipFill>
-          <a:blip r:embed="rId5">
+          <a:blip r:embed="rId4">
             <a:alphaModFix amt="20000"/>
           </a:blip>
           <a:stretch>
